--- a/REPO_MarksCodeAndPPTs/DotNetPPTs/dotnetWeek3Ppts/D15_.NET_DependencyInjection.pptx
+++ b/REPO_MarksCodeAndPPTs/DotNetPPTs/dotnetWeek3Ppts/D15_.NET_DependencyInjection.pptx
@@ -377,7 +377,7 @@
           <a:p>
             <a:fld id="{9184DA70-C731-4C70-880D-CCD4705E623C}" type="datetime1">
               <a:rPr lang="en-US" smtClean="0"/>
-              <a:t>3/29/2020</a:t>
+              <a:t>3/31/2020</a:t>
             </a:fld>
             <a:endParaRPr lang="en-US" dirty="0"/>
           </a:p>
@@ -565,7 +565,7 @@
           <a:p>
             <a:fld id="{B612A279-0833-481D-8C56-F67FD0AC6C50}" type="datetime1">
               <a:rPr lang="en-US" smtClean="0"/>
-              <a:t>3/29/2020</a:t>
+              <a:t>3/31/2020</a:t>
             </a:fld>
             <a:endParaRPr lang="en-US" dirty="0"/>
           </a:p>
@@ -807,7 +807,7 @@
           <a:p>
             <a:fld id="{6587DA83-5663-4C9C-B9AA-0B40A3DAFF81}" type="datetime1">
               <a:rPr lang="en-US" smtClean="0"/>
-              <a:t>3/29/2020</a:t>
+              <a:t>3/31/2020</a:t>
             </a:fld>
             <a:endParaRPr lang="en-US" dirty="0"/>
           </a:p>
@@ -995,7 +995,7 @@
           <a:p>
             <a:fld id="{4BE1D723-8F53-4F53-90B0-1982A396982E}" type="datetime1">
               <a:rPr lang="en-US" smtClean="0"/>
-              <a:t>3/29/2020</a:t>
+              <a:t>3/31/2020</a:t>
             </a:fld>
             <a:endParaRPr lang="en-US" dirty="0"/>
           </a:p>
@@ -1368,7 +1368,7 @@
           <a:p>
             <a:fld id="{97669AF7-7BEB-44E4-9852-375E34362B5B}" type="datetime1">
               <a:rPr lang="en-US" smtClean="0"/>
-              <a:t>3/29/2020</a:t>
+              <a:t>3/31/2020</a:t>
             </a:fld>
             <a:endParaRPr lang="en-US" dirty="0"/>
           </a:p>
@@ -1623,7 +1623,7 @@
           <a:p>
             <a:fld id="{BAAAC38D-0552-4C82-B593-E6124DFADBE2}" type="datetime1">
               <a:rPr lang="en-US" smtClean="0"/>
-              <a:t>3/29/2020</a:t>
+              <a:t>3/31/2020</a:t>
             </a:fld>
             <a:endParaRPr lang="en-US" dirty="0"/>
           </a:p>
@@ -2020,7 +2020,7 @@
           <a:p>
             <a:fld id="{D9DF0F1C-5577-4ACB-BB62-DF8F3C494C7E}" type="datetime1">
               <a:rPr lang="en-US" smtClean="0"/>
-              <a:t>3/29/2020</a:t>
+              <a:t>3/31/2020</a:t>
             </a:fld>
             <a:endParaRPr lang="en-US" dirty="0"/>
           </a:p>
@@ -2156,7 +2156,7 @@
           <a:p>
             <a:fld id="{1775B394-D9F9-4F0C-B15D-605F45CB9E9F}" type="datetime1">
               <a:rPr lang="en-US" smtClean="0"/>
-              <a:t>3/29/2020</a:t>
+              <a:t>3/31/2020</a:t>
             </a:fld>
             <a:endParaRPr lang="en-US" dirty="0"/>
           </a:p>
@@ -2313,7 +2313,7 @@
           <a:p>
             <a:fld id="{39667345-2558-425A-8533-9BFDBCE15005}" type="datetime1">
               <a:rPr lang="en-US" smtClean="0"/>
-              <a:t>3/29/2020</a:t>
+              <a:t>3/31/2020</a:t>
             </a:fld>
             <a:endParaRPr lang="en-US" dirty="0"/>
           </a:p>
@@ -2642,7 +2642,7 @@
           <a:p>
             <a:fld id="{92BEA474-078D-4E9B-9B14-09A87B19DC46}" type="datetime1">
               <a:rPr lang="en-US" smtClean="0"/>
-              <a:t>3/29/2020</a:t>
+              <a:t>3/31/2020</a:t>
             </a:fld>
             <a:endParaRPr lang="en-US" dirty="0"/>
           </a:p>
@@ -2992,7 +2992,7 @@
           <a:p>
             <a:fld id="{4907D986-8816-4272-A432-0437A28A9828}" type="datetime1">
               <a:rPr lang="en-US" smtClean="0"/>
-              <a:t>3/29/2020</a:t>
+              <a:t>3/31/2020</a:t>
             </a:fld>
             <a:endParaRPr lang="en-US" dirty="0"/>
           </a:p>
@@ -3253,7 +3253,7 @@
           <a:p>
             <a:fld id="{62D6E202-B606-4609-B914-27C9371A1F6D}" type="datetime1">
               <a:rPr lang="en-US" smtClean="0"/>
-              <a:t>3/29/2020</a:t>
+              <a:t>3/31/2020</a:t>
             </a:fld>
             <a:endParaRPr lang="en-US" dirty="0"/>
           </a:p>
@@ -4096,7 +4096,7 @@
           <p:nvPr>
             <p:extLst>
               <p:ext uri="{D42A27DB-BD31-4B8C-83A1-F6EECF244321}">
-                <p14:modId xmlns:p14="http://schemas.microsoft.com/office/powerpoint/2010/main" val="794168635"/>
+                <p14:modId xmlns:p14="http://schemas.microsoft.com/office/powerpoint/2010/main" val="4053463375"/>
               </p:ext>
             </p:extLst>
           </p:nvPr>
@@ -4294,7 +4294,7 @@
                           <a:ea typeface="+mn-ea"/>
                           <a:cs typeface="+mn-cs"/>
                         </a:rPr>
-                        <a:t>) are created once per client request (connection).</a:t>
+                        <a:t>) are created once per HTTP request (connection).</a:t>
                       </a:r>
                     </a:p>
                   </a:txBody>
@@ -4441,10 +4441,10 @@
       </p:sp>
       <p:grpSp>
         <p:nvGrpSpPr>
-          <p:cNvPr id="4" name="Group 3">
-            <a:extLst>
-              <a:ext uri="{FF2B5EF4-FFF2-40B4-BE49-F238E27FC236}">
-                <a16:creationId xmlns:a16="http://schemas.microsoft.com/office/drawing/2014/main" id="{CE142CE8-92B5-4B40-8328-0A36338C198B}"/>
+          <p:cNvPr id="3" name="Group 2">
+            <a:extLst>
+              <a:ext uri="{FF2B5EF4-FFF2-40B4-BE49-F238E27FC236}">
+                <a16:creationId xmlns:a16="http://schemas.microsoft.com/office/drawing/2014/main" id="{035904D3-3B8A-48D9-86DD-7488C7299D46}"/>
               </a:ext>
             </a:extLst>
           </p:cNvPr>
@@ -4455,8 +4455,8 @@
           <a:xfrm>
             <a:off x="1342790" y="2108201"/>
             <a:ext cx="9567380" cy="3760891"/>
-            <a:chOff x="259515" y="1564067"/>
-            <a:chExt cx="6114780" cy="2688867"/>
+            <a:chOff x="1342790" y="2108201"/>
+            <a:chExt cx="9567380" cy="3760891"/>
           </a:xfrm>
         </p:grpSpPr>
         <p:pic>
@@ -4481,8 +4481,8 @@
           </p:blipFill>
           <p:spPr>
             <a:xfrm>
-              <a:off x="259515" y="1564067"/>
-              <a:ext cx="6114780" cy="2688867"/>
+              <a:off x="1342790" y="2108201"/>
+              <a:ext cx="9567380" cy="3760891"/>
             </a:xfrm>
             <a:prstGeom prst="rect">
               <a:avLst/>
@@ -4508,14 +4508,14 @@
           </p:nvSpPr>
           <p:spPr>
             <a:xfrm>
-              <a:off x="566987" y="1899783"/>
-              <a:ext cx="1933940" cy="381161"/>
+              <a:off x="1823871" y="2577764"/>
+              <a:ext cx="3025904" cy="533126"/>
             </a:xfrm>
             <a:prstGeom prst="rect">
               <a:avLst/>
             </a:prstGeom>
             <a:solidFill>
-              <a:schemeClr val="tx1"/>
+              <a:srgbClr val="2E2E2E"/>
             </a:solidFill>
             <a:ln>
               <a:noFill/>
@@ -6250,7 +6250,14 @@
           <a:p>
             <a:r>
               <a:rPr lang="en-US" dirty="0"/>
-              <a:t>Dependency Injection – Step by Step</a:t>
+              <a:t>Dependency Injection – </a:t>
+            </a:r>
+            <a:br>
+              <a:rPr lang="en-US" dirty="0"/>
+            </a:br>
+            <a:r>
+              <a:rPr lang="en-US" dirty="0"/>
+              <a:t>Step by Step(1)</a:t>
             </a:r>
             <a:br>
               <a:rPr lang="en-US" dirty="0"/>
@@ -6590,7 +6597,7 @@
             </a:br>
             <a:r>
               <a:rPr lang="en-US" sz="3200" dirty="0"/>
-              <a:t>Step by Step</a:t>
+              <a:t>Step by Step(2)</a:t>
             </a:r>
             <a:br>
               <a:rPr lang="en-US" sz="3200" dirty="0"/>
@@ -6644,10 +6651,10 @@
       </p:pic>
       <p:grpSp>
         <p:nvGrpSpPr>
-          <p:cNvPr id="13" name="Group 12">
-            <a:extLst>
-              <a:ext uri="{FF2B5EF4-FFF2-40B4-BE49-F238E27FC236}">
-                <a16:creationId xmlns:a16="http://schemas.microsoft.com/office/drawing/2014/main" id="{C3CCFC2E-B30E-4E3A-9CAD-2C18F0BC3D97}"/>
+          <p:cNvPr id="4" name="Group 3">
+            <a:extLst>
+              <a:ext uri="{FF2B5EF4-FFF2-40B4-BE49-F238E27FC236}">
+                <a16:creationId xmlns:a16="http://schemas.microsoft.com/office/drawing/2014/main" id="{8E85F0F8-C114-4BF8-A40A-219715F42CDD}"/>
               </a:ext>
             </a:extLst>
           </p:cNvPr>
@@ -6718,7 +6725,7 @@
               <a:avLst/>
             </a:prstGeom>
             <a:solidFill>
-              <a:schemeClr val="tx1"/>
+              <a:srgbClr val="2E2E2E"/>
             </a:solidFill>
             <a:ln>
               <a:noFill/>
@@ -6935,7 +6942,15 @@
           <a:p>
             <a:r>
               <a:rPr lang="en-US" dirty="0"/>
-              <a:t>Dependency Injection – </a:t>
+              <a:t>Dependency Injection – [</a:t>
+            </a:r>
+            <a:r>
+              <a:rPr lang="en-US" dirty="0" err="1"/>
+              <a:t>FromServices</a:t>
+            </a:r>
+            <a:r>
+              <a:rPr lang="en-US" dirty="0"/>
+              <a:t>]</a:t>
             </a:r>
             <a:br>
               <a:rPr lang="en-US" dirty="0"/>
@@ -7121,14 +7136,22 @@
           <a:lstStyle/>
           <a:p>
             <a:r>
-              <a:rPr lang="en-US" dirty="0"/>
-              <a:t>Dependency Injection – </a:t>
+              <a:rPr lang="en-US" sz="4400" dirty="0"/>
+              <a:t>Dependency Injection – .</a:t>
+            </a:r>
+            <a:r>
+              <a:rPr lang="en-US" sz="4400" dirty="0" err="1"/>
+              <a:t>GetService</a:t>
+            </a:r>
+            <a:r>
+              <a:rPr lang="en-US" sz="4400" dirty="0"/>
+              <a:t>&lt;&gt;()</a:t>
             </a:r>
             <a:br>
-              <a:rPr lang="en-US" dirty="0"/>
+              <a:rPr lang="en-US" sz="4400" dirty="0"/>
             </a:br>
             <a:r>
-              <a:rPr lang="en-US" dirty="0"/>
+              <a:rPr lang="en-US" sz="4400" dirty="0"/>
               <a:t>Alternative to Constructor Injection</a:t>
             </a:r>
             <a:br>
